--- a/ИУ7-85Б_Зуев_През_ВКР_4версия.pptx
+++ b/ИУ7-85Б_Зуев_През_ВКР_4версия.pptx
@@ -215,7 +215,7 @@
           <a:p>
             <a:fld id="{8361932B-7682-40F8-B7CC-B5DCDEF0DC88}" type="datetimeFigureOut">
               <a:rPr lang="ru-RU" smtClean="0"/>
-              <a:t>16.06.2025</a:t>
+              <a:t>19.06.2025</a:t>
             </a:fld>
             <a:endParaRPr lang="ru-RU"/>
           </a:p>
@@ -697,7 +697,7 @@
           <a:p>
             <a:fld id="{47C327EC-E918-46DA-965A-D89F60CE73F2}" type="datetime1">
               <a:rPr lang="ru-RU" smtClean="0"/>
-              <a:t>16.06.2025</a:t>
+              <a:t>19.06.2025</a:t>
             </a:fld>
             <a:endParaRPr lang="ru-RU"/>
           </a:p>
@@ -867,7 +867,7 @@
           <a:p>
             <a:fld id="{9FB30949-1A9C-4893-9C09-B131864ABCA3}" type="datetime1">
               <a:rPr lang="ru-RU" smtClean="0"/>
-              <a:t>16.06.2025</a:t>
+              <a:t>19.06.2025</a:t>
             </a:fld>
             <a:endParaRPr lang="ru-RU"/>
           </a:p>
@@ -1047,7 +1047,7 @@
           <a:p>
             <a:fld id="{FC553BE8-660E-437B-BBE9-1D704701F54F}" type="datetime1">
               <a:rPr lang="ru-RU" smtClean="0"/>
-              <a:t>16.06.2025</a:t>
+              <a:t>19.06.2025</a:t>
             </a:fld>
             <a:endParaRPr lang="ru-RU"/>
           </a:p>
@@ -1217,7 +1217,7 @@
           <a:p>
             <a:fld id="{F60B5145-3885-4A9A-A22F-280984127DDD}" type="datetime1">
               <a:rPr lang="ru-RU" smtClean="0"/>
-              <a:t>16.06.2025</a:t>
+              <a:t>19.06.2025</a:t>
             </a:fld>
             <a:endParaRPr lang="ru-RU"/>
           </a:p>
@@ -1461,7 +1461,7 @@
           <a:p>
             <a:fld id="{DFB1535F-AFA2-4FA1-ACF1-11B23421BF73}" type="datetime1">
               <a:rPr lang="ru-RU" smtClean="0"/>
-              <a:t>16.06.2025</a:t>
+              <a:t>19.06.2025</a:t>
             </a:fld>
             <a:endParaRPr lang="ru-RU"/>
           </a:p>
@@ -1693,7 +1693,7 @@
           <a:p>
             <a:fld id="{69FE8D11-6AF3-46D5-8134-DBAFFEC4197E}" type="datetime1">
               <a:rPr lang="ru-RU" smtClean="0"/>
-              <a:t>16.06.2025</a:t>
+              <a:t>19.06.2025</a:t>
             </a:fld>
             <a:endParaRPr lang="ru-RU"/>
           </a:p>
@@ -2060,7 +2060,7 @@
           <a:p>
             <a:fld id="{DD7EE7BD-992D-4A1A-B33E-CA0F036EB7A1}" type="datetime1">
               <a:rPr lang="ru-RU" smtClean="0"/>
-              <a:t>16.06.2025</a:t>
+              <a:t>19.06.2025</a:t>
             </a:fld>
             <a:endParaRPr lang="ru-RU"/>
           </a:p>
@@ -2178,7 +2178,7 @@
           <a:p>
             <a:fld id="{5F39BB8A-F253-41C5-BE3D-51D199F10B4A}" type="datetime1">
               <a:rPr lang="ru-RU" smtClean="0"/>
-              <a:t>16.06.2025</a:t>
+              <a:t>19.06.2025</a:t>
             </a:fld>
             <a:endParaRPr lang="ru-RU"/>
           </a:p>
@@ -2273,7 +2273,7 @@
           <a:p>
             <a:fld id="{D0D57DE5-A8CD-4548-BD47-6B1F22D177A3}" type="datetime1">
               <a:rPr lang="ru-RU" smtClean="0"/>
-              <a:t>16.06.2025</a:t>
+              <a:t>19.06.2025</a:t>
             </a:fld>
             <a:endParaRPr lang="ru-RU"/>
           </a:p>
@@ -2550,7 +2550,7 @@
           <a:p>
             <a:fld id="{6ED3CB4D-880D-431A-AC19-5175B8AE3CAF}" type="datetime1">
               <a:rPr lang="ru-RU" smtClean="0"/>
-              <a:t>16.06.2025</a:t>
+              <a:t>19.06.2025</a:t>
             </a:fld>
             <a:endParaRPr lang="ru-RU"/>
           </a:p>
@@ -2807,7 +2807,7 @@
           <a:p>
             <a:fld id="{176FB70E-976A-4BE1-AC6A-77A269007F64}" type="datetime1">
               <a:rPr lang="ru-RU" smtClean="0"/>
-              <a:t>16.06.2025</a:t>
+              <a:t>19.06.2025</a:t>
             </a:fld>
             <a:endParaRPr lang="ru-RU"/>
           </a:p>
@@ -3020,7 +3020,7 @@
           <a:p>
             <a:fld id="{5B845AB5-3C3D-409C-A34B-211DA3C6C40A}" type="datetime1">
               <a:rPr lang="ru-RU" smtClean="0"/>
-              <a:t>16.06.2025</a:t>
+              <a:t>19.06.2025</a:t>
             </a:fld>
             <a:endParaRPr lang="ru-RU"/>
           </a:p>
@@ -3682,8 +3682,8 @@
           </a:p>
         </p:txBody>
       </p:sp>
-      <mc:AlternateContent xmlns:mc="http://schemas.openxmlformats.org/markup-compatibility/2006">
-        <mc:Choice xmlns:a14="http://schemas.microsoft.com/office/drawing/2010/main" Requires="a14">
+      <mc:AlternateContent xmlns:mc="http://schemas.openxmlformats.org/markup-compatibility/2006" xmlns:a14="http://schemas.microsoft.com/office/drawing/2010/main">
+        <mc:Choice Requires="a14">
           <p:sp>
             <p:nvSpPr>
               <p:cNvPr id="5" name="Объект 4">
@@ -4223,7 +4223,7 @@
             </p:txBody>
           </p:sp>
         </mc:Choice>
-        <mc:Fallback>
+        <mc:Fallback xmlns="">
           <p:sp>
             <p:nvSpPr>
               <p:cNvPr id="5" name="Объект 4">
@@ -6000,7 +6000,7 @@
             <p:spPr>
               <a:xfrm>
                 <a:off x="203735" y="705462"/>
-                <a:ext cx="5259905" cy="6069995"/>
+                <a:ext cx="5357310" cy="5792996"/>
               </a:xfrm>
               <a:prstGeom prst="rect">
                 <a:avLst/>
@@ -6604,7 +6604,7 @@
             <p:spPr>
               <a:xfrm>
                 <a:off x="203735" y="705462"/>
-                <a:ext cx="5259905" cy="6069995"/>
+                <a:ext cx="5357310" cy="5792996"/>
               </a:xfrm>
               <a:prstGeom prst="rect">
                 <a:avLst/>
@@ -6612,7 +6612,7 @@
               <a:blipFill>
                 <a:blip r:embed="rId3"/>
                 <a:stretch>
-                  <a:fillRect l="-927" t="-101"/>
+                  <a:fillRect l="-910" t="-105"/>
                 </a:stretch>
               </a:blipFill>
             </p:spPr>
@@ -6645,7 +6645,7 @@
         </p:nvSpPr>
         <p:spPr>
           <a:xfrm>
-            <a:off x="5813660" y="1478303"/>
+            <a:off x="5813659" y="1468972"/>
             <a:ext cx="3888606" cy="4247317"/>
           </a:xfrm>
           <a:prstGeom prst="rect">
@@ -7495,12 +7495,10 @@
             </a:endParaRPr>
           </a:p>
           <a:p>
-            <a:pPr marL="342900" lvl="0" indent="-342900" algn="just">
+            <a:pPr lvl="0" algn="just">
               <a:lnSpc>
                 <a:spcPct val="120000"/>
               </a:lnSpc>
-              <a:buFont typeface="Symbol" panose="05050102010706020507" pitchFamily="18" charset="2"/>
-              <a:buChar char=""/>
             </a:pPr>
             <a:r>
               <a:rPr lang="ru-RU" sz="1800" dirty="0">
@@ -7542,12 +7540,10 @@
             </a:r>
           </a:p>
           <a:p>
-            <a:pPr marL="342900" lvl="0" indent="-342900" algn="just">
+            <a:pPr lvl="0" algn="just">
               <a:lnSpc>
                 <a:spcPct val="120000"/>
               </a:lnSpc>
-              <a:buFont typeface="Symbol" panose="05050102010706020507" pitchFamily="18" charset="2"/>
-              <a:buChar char=""/>
             </a:pPr>
             <a:r>
               <a:rPr lang="ru-RU" sz="1800" dirty="0">
@@ -7559,12 +7555,10 @@
             </a:r>
           </a:p>
           <a:p>
-            <a:pPr marL="342900" lvl="0" indent="-342900" algn="just">
+            <a:pPr lvl="0" algn="just">
               <a:lnSpc>
                 <a:spcPct val="120000"/>
               </a:lnSpc>
-              <a:buFont typeface="Symbol" panose="05050102010706020507" pitchFamily="18" charset="2"/>
-              <a:buChar char=""/>
             </a:pPr>
             <a:r>
               <a:rPr lang="ru-RU" sz="1800" dirty="0">
@@ -7589,12 +7583,10 @@
             </a:endParaRPr>
           </a:p>
           <a:p>
-            <a:pPr marL="342900" lvl="0" indent="-342900" algn="just">
+            <a:pPr algn="just">
               <a:lnSpc>
                 <a:spcPct val="120000"/>
               </a:lnSpc>
-              <a:buFont typeface="Symbol" panose="05050102010706020507" pitchFamily="18" charset="2"/>
-              <a:buChar char=""/>
             </a:pPr>
             <a:r>
               <a:rPr lang="ru-RU" sz="1800" dirty="0">
@@ -8133,25 +8125,28 @@
               <a:t> работы является </a:t>
             </a:r>
             <a:r>
+              <a:rPr lang="ru-RU" sz="2000">
+                <a:effectLst/>
+                <a:latin typeface="Times New Roman" panose="02020603050405020304" pitchFamily="18" charset="0"/>
+                <a:ea typeface="Times New Roman" panose="02020603050405020304" pitchFamily="18" charset="0"/>
+              </a:rPr>
+              <a:t>разработка метода </a:t>
+            </a:r>
+            <a:r>
               <a:rPr lang="ru-RU" sz="2000" dirty="0">
                 <a:effectLst/>
                 <a:latin typeface="Times New Roman" panose="02020603050405020304" pitchFamily="18" charset="0"/>
                 <a:ea typeface="Times New Roman" panose="02020603050405020304" pitchFamily="18" charset="0"/>
               </a:rPr>
-              <a:t>разработка метод нормализации в реляционных базах данных с использованием анализа функциональных зависимостей.</a:t>
+              <a:t>нормализации в реляционных базах данных с использованием анализа функциональных зависимостей.</a:t>
             </a:r>
             <a:r>
-              <a:rPr lang="ru-RU" sz="2000" b="1" dirty="0">
+              <a:rPr lang="ru-RU" sz="2000" b="1">
                 <a:latin typeface="Times New Roman" panose="02020603050405020304" pitchFamily="18" charset="0"/>
                 <a:cs typeface="Times New Roman" panose="02020603050405020304" pitchFamily="18" charset="0"/>
               </a:rPr>
               <a:t>	</a:t>
             </a:r>
-          </a:p>
-          <a:p>
-            <a:pPr marL="0" indent="0">
-              <a:buNone/>
-            </a:pPr>
             <a:endParaRPr lang="ru-RU" sz="2000" b="1" dirty="0">
               <a:latin typeface="Times New Roman" panose="02020603050405020304" pitchFamily="18" charset="0"/>
               <a:cs typeface="Times New Roman" panose="02020603050405020304" pitchFamily="18" charset="0"/>
@@ -8395,8 +8390,8 @@
           </a:p>
         </p:txBody>
       </p:sp>
-      <mc:AlternateContent xmlns:mc="http://schemas.openxmlformats.org/markup-compatibility/2006">
-        <mc:Choice xmlns:a14="http://schemas.microsoft.com/office/drawing/2010/main" Requires="a14">
+      <mc:AlternateContent xmlns:mc="http://schemas.openxmlformats.org/markup-compatibility/2006" xmlns:a14="http://schemas.microsoft.com/office/drawing/2010/main">
+        <mc:Choice Requires="a14">
           <p:sp>
             <p:nvSpPr>
               <p:cNvPr id="5" name="Объект 4"/>
@@ -9694,7 +9689,7 @@
             </p:txBody>
           </p:sp>
         </mc:Choice>
-        <mc:Fallback>
+        <mc:Fallback xmlns="">
           <p:sp>
             <p:nvSpPr>
               <p:cNvPr id="5" name="Объект 4"/>
@@ -10380,8 +10375,8 @@
           </a:p>
         </p:txBody>
       </p:sp>
-      <mc:AlternateContent xmlns:mc="http://schemas.openxmlformats.org/markup-compatibility/2006">
-        <mc:Choice xmlns:a14="http://schemas.microsoft.com/office/drawing/2010/main" Requires="a14">
+      <mc:AlternateContent xmlns:mc="http://schemas.openxmlformats.org/markup-compatibility/2006" xmlns:a14="http://schemas.microsoft.com/office/drawing/2010/main">
+        <mc:Choice Requires="a14">
           <p:sp>
             <p:nvSpPr>
               <p:cNvPr id="5" name="Объект 4"/>
@@ -11166,7 +11161,7 @@
             </p:txBody>
           </p:sp>
         </mc:Choice>
-        <mc:Fallback>
+        <mc:Fallback xmlns="">
           <p:sp>
             <p:nvSpPr>
               <p:cNvPr id="5" name="Объект 4"/>
@@ -13669,8 +13664,8 @@
           </a:p>
         </p:txBody>
       </p:sp>
-      <mc:AlternateContent xmlns:mc="http://schemas.openxmlformats.org/markup-compatibility/2006">
-        <mc:Choice xmlns:a14="http://schemas.microsoft.com/office/drawing/2010/main" Requires="a14">
+      <mc:AlternateContent xmlns:mc="http://schemas.openxmlformats.org/markup-compatibility/2006" xmlns:a14="http://schemas.microsoft.com/office/drawing/2010/main">
+        <mc:Choice Requires="a14">
           <p:sp>
             <p:nvSpPr>
               <p:cNvPr id="7" name="TextBox 6">
@@ -14093,7 +14088,7 @@
             </p:txBody>
           </p:sp>
         </mc:Choice>
-        <mc:Fallback>
+        <mc:Fallback xmlns="">
           <p:sp>
             <p:nvSpPr>
               <p:cNvPr id="7" name="TextBox 6">
@@ -15359,8 +15354,8 @@
           </a:p>
         </p:txBody>
       </p:sp>
-      <mc:AlternateContent xmlns:mc="http://schemas.openxmlformats.org/markup-compatibility/2006">
-        <mc:Choice xmlns:a14="http://schemas.microsoft.com/office/drawing/2010/main" Requires="a14">
+      <mc:AlternateContent xmlns:mc="http://schemas.openxmlformats.org/markup-compatibility/2006" xmlns:a14="http://schemas.microsoft.com/office/drawing/2010/main">
+        <mc:Choice Requires="a14">
           <p:sp>
             <p:nvSpPr>
               <p:cNvPr id="18" name="TextBox 17">
@@ -15538,7 +15533,7 @@
             </p:txBody>
           </p:sp>
         </mc:Choice>
-        <mc:Fallback>
+        <mc:Fallback xmlns="">
           <p:sp>
             <p:nvSpPr>
               <p:cNvPr id="18" name="TextBox 17">
@@ -15583,8 +15578,8 @@
           </p:sp>
         </mc:Fallback>
       </mc:AlternateContent>
-      <mc:AlternateContent xmlns:mc="http://schemas.openxmlformats.org/markup-compatibility/2006">
-        <mc:Choice xmlns:a14="http://schemas.microsoft.com/office/drawing/2010/main" Requires="a14">
+      <mc:AlternateContent xmlns:mc="http://schemas.openxmlformats.org/markup-compatibility/2006" xmlns:a14="http://schemas.microsoft.com/office/drawing/2010/main">
+        <mc:Choice Requires="a14">
           <p:sp>
             <p:nvSpPr>
               <p:cNvPr id="22" name="TextBox 21">
@@ -15763,7 +15758,7 @@
             </p:txBody>
           </p:sp>
         </mc:Choice>
-        <mc:Fallback>
+        <mc:Fallback xmlns="">
           <p:sp>
             <p:nvSpPr>
               <p:cNvPr id="22" name="TextBox 21">
@@ -15877,8 +15872,8 @@
           </a:p>
         </p:txBody>
       </p:sp>
-      <mc:AlternateContent xmlns:mc="http://schemas.openxmlformats.org/markup-compatibility/2006">
-        <mc:Choice xmlns:a14="http://schemas.microsoft.com/office/drawing/2010/main" Requires="a14">
+      <mc:AlternateContent xmlns:mc="http://schemas.openxmlformats.org/markup-compatibility/2006" xmlns:a14="http://schemas.microsoft.com/office/drawing/2010/main">
+        <mc:Choice Requires="a14">
           <p:sp>
             <p:nvSpPr>
               <p:cNvPr id="5" name="Объект 4">
@@ -16085,7 +16080,7 @@
             </p:txBody>
           </p:sp>
         </mc:Choice>
-        <mc:Fallback>
+        <mc:Fallback xmlns="">
           <p:sp>
             <p:nvSpPr>
               <p:cNvPr id="5" name="Объект 4">

--- a/ИУ7-85Б_Зуев_През_ВКР_4версия.pptx
+++ b/ИУ7-85Б_Зуев_През_ВКР_4версия.pptx
@@ -215,7 +215,7 @@
           <a:p>
             <a:fld id="{8361932B-7682-40F8-B7CC-B5DCDEF0DC88}" type="datetimeFigureOut">
               <a:rPr lang="ru-RU" smtClean="0"/>
-              <a:t>16.06.2025</a:t>
+              <a:t>17.06.2025</a:t>
             </a:fld>
             <a:endParaRPr lang="ru-RU"/>
           </a:p>
@@ -697,7 +697,7 @@
           <a:p>
             <a:fld id="{47C327EC-E918-46DA-965A-D89F60CE73F2}" type="datetime1">
               <a:rPr lang="ru-RU" smtClean="0"/>
-              <a:t>16.06.2025</a:t>
+              <a:t>17.06.2025</a:t>
             </a:fld>
             <a:endParaRPr lang="ru-RU"/>
           </a:p>
@@ -867,7 +867,7 @@
           <a:p>
             <a:fld id="{9FB30949-1A9C-4893-9C09-B131864ABCA3}" type="datetime1">
               <a:rPr lang="ru-RU" smtClean="0"/>
-              <a:t>16.06.2025</a:t>
+              <a:t>17.06.2025</a:t>
             </a:fld>
             <a:endParaRPr lang="ru-RU"/>
           </a:p>
@@ -1047,7 +1047,7 @@
           <a:p>
             <a:fld id="{FC553BE8-660E-437B-BBE9-1D704701F54F}" type="datetime1">
               <a:rPr lang="ru-RU" smtClean="0"/>
-              <a:t>16.06.2025</a:t>
+              <a:t>17.06.2025</a:t>
             </a:fld>
             <a:endParaRPr lang="ru-RU"/>
           </a:p>
@@ -1217,7 +1217,7 @@
           <a:p>
             <a:fld id="{F60B5145-3885-4A9A-A22F-280984127DDD}" type="datetime1">
               <a:rPr lang="ru-RU" smtClean="0"/>
-              <a:t>16.06.2025</a:t>
+              <a:t>17.06.2025</a:t>
             </a:fld>
             <a:endParaRPr lang="ru-RU"/>
           </a:p>
@@ -1461,7 +1461,7 @@
           <a:p>
             <a:fld id="{DFB1535F-AFA2-4FA1-ACF1-11B23421BF73}" type="datetime1">
               <a:rPr lang="ru-RU" smtClean="0"/>
-              <a:t>16.06.2025</a:t>
+              <a:t>17.06.2025</a:t>
             </a:fld>
             <a:endParaRPr lang="ru-RU"/>
           </a:p>
@@ -1693,7 +1693,7 @@
           <a:p>
             <a:fld id="{69FE8D11-6AF3-46D5-8134-DBAFFEC4197E}" type="datetime1">
               <a:rPr lang="ru-RU" smtClean="0"/>
-              <a:t>16.06.2025</a:t>
+              <a:t>17.06.2025</a:t>
             </a:fld>
             <a:endParaRPr lang="ru-RU"/>
           </a:p>
@@ -2060,7 +2060,7 @@
           <a:p>
             <a:fld id="{DD7EE7BD-992D-4A1A-B33E-CA0F036EB7A1}" type="datetime1">
               <a:rPr lang="ru-RU" smtClean="0"/>
-              <a:t>16.06.2025</a:t>
+              <a:t>17.06.2025</a:t>
             </a:fld>
             <a:endParaRPr lang="ru-RU"/>
           </a:p>
@@ -2178,7 +2178,7 @@
           <a:p>
             <a:fld id="{5F39BB8A-F253-41C5-BE3D-51D199F10B4A}" type="datetime1">
               <a:rPr lang="ru-RU" smtClean="0"/>
-              <a:t>16.06.2025</a:t>
+              <a:t>17.06.2025</a:t>
             </a:fld>
             <a:endParaRPr lang="ru-RU"/>
           </a:p>
@@ -2273,7 +2273,7 @@
           <a:p>
             <a:fld id="{D0D57DE5-A8CD-4548-BD47-6B1F22D177A3}" type="datetime1">
               <a:rPr lang="ru-RU" smtClean="0"/>
-              <a:t>16.06.2025</a:t>
+              <a:t>17.06.2025</a:t>
             </a:fld>
             <a:endParaRPr lang="ru-RU"/>
           </a:p>
@@ -2550,7 +2550,7 @@
           <a:p>
             <a:fld id="{6ED3CB4D-880D-431A-AC19-5175B8AE3CAF}" type="datetime1">
               <a:rPr lang="ru-RU" smtClean="0"/>
-              <a:t>16.06.2025</a:t>
+              <a:t>17.06.2025</a:t>
             </a:fld>
             <a:endParaRPr lang="ru-RU"/>
           </a:p>
@@ -2807,7 +2807,7 @@
           <a:p>
             <a:fld id="{176FB70E-976A-4BE1-AC6A-77A269007F64}" type="datetime1">
               <a:rPr lang="ru-RU" smtClean="0"/>
-              <a:t>16.06.2025</a:t>
+              <a:t>17.06.2025</a:t>
             </a:fld>
             <a:endParaRPr lang="ru-RU"/>
           </a:p>
@@ -3020,7 +3020,7 @@
           <a:p>
             <a:fld id="{5B845AB5-3C3D-409C-A34B-211DA3C6C40A}" type="datetime1">
               <a:rPr lang="ru-RU" smtClean="0"/>
-              <a:t>16.06.2025</a:t>
+              <a:t>17.06.2025</a:t>
             </a:fld>
             <a:endParaRPr lang="ru-RU"/>
           </a:p>
@@ -3682,8 +3682,8 @@
           </a:p>
         </p:txBody>
       </p:sp>
-      <mc:AlternateContent xmlns:mc="http://schemas.openxmlformats.org/markup-compatibility/2006">
-        <mc:Choice xmlns:a14="http://schemas.microsoft.com/office/drawing/2010/main" Requires="a14">
+      <mc:AlternateContent xmlns:mc="http://schemas.openxmlformats.org/markup-compatibility/2006" xmlns:a14="http://schemas.microsoft.com/office/drawing/2010/main">
+        <mc:Choice Requires="a14">
           <p:sp>
             <p:nvSpPr>
               <p:cNvPr id="5" name="Объект 4">
@@ -4223,7 +4223,7 @@
             </p:txBody>
           </p:sp>
         </mc:Choice>
-        <mc:Fallback>
+        <mc:Fallback xmlns="">
           <p:sp>
             <p:nvSpPr>
               <p:cNvPr id="5" name="Объект 4">
@@ -5983,8 +5983,8 @@
           </a:p>
         </p:txBody>
       </p:sp>
-      <mc:AlternateContent xmlns:mc="http://schemas.openxmlformats.org/markup-compatibility/2006">
-        <mc:Choice xmlns:a14="http://schemas.microsoft.com/office/drawing/2010/main" Requires="a14">
+      <mc:AlternateContent xmlns:mc="http://schemas.openxmlformats.org/markup-compatibility/2006" xmlns:a14="http://schemas.microsoft.com/office/drawing/2010/main">
+        <mc:Choice Requires="a14">
           <p:sp>
             <p:nvSpPr>
               <p:cNvPr id="5" name="TextBox 4">
@@ -6586,7 +6586,7 @@
             </p:txBody>
           </p:sp>
         </mc:Choice>
-        <mc:Fallback>
+        <mc:Fallback xmlns="">
           <p:sp>
             <p:nvSpPr>
               <p:cNvPr id="5" name="TextBox 4">
@@ -7840,8 +7840,8 @@
         </p:nvSpPr>
         <p:spPr>
           <a:xfrm>
-            <a:off x="298385" y="1106904"/>
-            <a:ext cx="4013733" cy="5751095"/>
+            <a:off x="252919" y="1106904"/>
+            <a:ext cx="4059199" cy="5751095"/>
           </a:xfrm>
         </p:spPr>
         <p:txBody>
@@ -7891,11 +7891,18 @@
               <a:buNone/>
             </a:pPr>
             <a:r>
-              <a:rPr lang="ru-RU" sz="1800" dirty="0">
+              <a:rPr lang="ru-RU" sz="1800" b="1" dirty="0">
                 <a:latin typeface="Times New Roman" panose="02020603050405020304" pitchFamily="18" charset="0"/>
                 <a:cs typeface="Times New Roman" panose="02020603050405020304" pitchFamily="18" charset="0"/>
               </a:rPr>
-              <a:t>Нормализация отношений </a:t>
+              <a:t>Нормализация отношений</a:t>
+            </a:r>
+            <a:r>
+              <a:rPr lang="en-US" sz="1800" b="1" dirty="0">
+                <a:latin typeface="Times New Roman" panose="02020603050405020304" pitchFamily="18" charset="0"/>
+                <a:cs typeface="Times New Roman" panose="02020603050405020304" pitchFamily="18" charset="0"/>
+              </a:rPr>
+              <a:t> </a:t>
             </a:r>
             <a:r>
               <a:rPr lang="ru-RU" sz="1800" dirty="0"/>
@@ -8395,8 +8402,8 @@
           </a:p>
         </p:txBody>
       </p:sp>
-      <mc:AlternateContent xmlns:mc="http://schemas.openxmlformats.org/markup-compatibility/2006">
-        <mc:Choice xmlns:a14="http://schemas.microsoft.com/office/drawing/2010/main" Requires="a14">
+      <mc:AlternateContent xmlns:mc="http://schemas.openxmlformats.org/markup-compatibility/2006" xmlns:a14="http://schemas.microsoft.com/office/drawing/2010/main">
+        <mc:Choice Requires="a14">
           <p:sp>
             <p:nvSpPr>
               <p:cNvPr id="5" name="Объект 4"/>
@@ -9694,7 +9701,7 @@
             </p:txBody>
           </p:sp>
         </mc:Choice>
-        <mc:Fallback>
+        <mc:Fallback xmlns="">
           <p:sp>
             <p:nvSpPr>
               <p:cNvPr id="5" name="Объект 4"/>
@@ -10380,8 +10387,8 @@
           </a:p>
         </p:txBody>
       </p:sp>
-      <mc:AlternateContent xmlns:mc="http://schemas.openxmlformats.org/markup-compatibility/2006">
-        <mc:Choice xmlns:a14="http://schemas.microsoft.com/office/drawing/2010/main" Requires="a14">
+      <mc:AlternateContent xmlns:mc="http://schemas.openxmlformats.org/markup-compatibility/2006" xmlns:a14="http://schemas.microsoft.com/office/drawing/2010/main">
+        <mc:Choice Requires="a14">
           <p:sp>
             <p:nvSpPr>
               <p:cNvPr id="5" name="Объект 4"/>
@@ -11166,7 +11173,7 @@
             </p:txBody>
           </p:sp>
         </mc:Choice>
-        <mc:Fallback>
+        <mc:Fallback xmlns="">
           <p:sp>
             <p:nvSpPr>
               <p:cNvPr id="5" name="Объект 4"/>
@@ -13669,8 +13676,8 @@
           </a:p>
         </p:txBody>
       </p:sp>
-      <mc:AlternateContent xmlns:mc="http://schemas.openxmlformats.org/markup-compatibility/2006">
-        <mc:Choice xmlns:a14="http://schemas.microsoft.com/office/drawing/2010/main" Requires="a14">
+      <mc:AlternateContent xmlns:mc="http://schemas.openxmlformats.org/markup-compatibility/2006" xmlns:a14="http://schemas.microsoft.com/office/drawing/2010/main">
+        <mc:Choice Requires="a14">
           <p:sp>
             <p:nvSpPr>
               <p:cNvPr id="7" name="TextBox 6">
@@ -14093,7 +14100,7 @@
             </p:txBody>
           </p:sp>
         </mc:Choice>
-        <mc:Fallback>
+        <mc:Fallback xmlns="">
           <p:sp>
             <p:nvSpPr>
               <p:cNvPr id="7" name="TextBox 6">
@@ -15359,8 +15366,8 @@
           </a:p>
         </p:txBody>
       </p:sp>
-      <mc:AlternateContent xmlns:mc="http://schemas.openxmlformats.org/markup-compatibility/2006">
-        <mc:Choice xmlns:a14="http://schemas.microsoft.com/office/drawing/2010/main" Requires="a14">
+      <mc:AlternateContent xmlns:mc="http://schemas.openxmlformats.org/markup-compatibility/2006" xmlns:a14="http://schemas.microsoft.com/office/drawing/2010/main">
+        <mc:Choice Requires="a14">
           <p:sp>
             <p:nvSpPr>
               <p:cNvPr id="18" name="TextBox 17">
@@ -15538,7 +15545,7 @@
             </p:txBody>
           </p:sp>
         </mc:Choice>
-        <mc:Fallback>
+        <mc:Fallback xmlns="">
           <p:sp>
             <p:nvSpPr>
               <p:cNvPr id="18" name="TextBox 17">
@@ -15583,8 +15590,8 @@
           </p:sp>
         </mc:Fallback>
       </mc:AlternateContent>
-      <mc:AlternateContent xmlns:mc="http://schemas.openxmlformats.org/markup-compatibility/2006">
-        <mc:Choice xmlns:a14="http://schemas.microsoft.com/office/drawing/2010/main" Requires="a14">
+      <mc:AlternateContent xmlns:mc="http://schemas.openxmlformats.org/markup-compatibility/2006" xmlns:a14="http://schemas.microsoft.com/office/drawing/2010/main">
+        <mc:Choice Requires="a14">
           <p:sp>
             <p:nvSpPr>
               <p:cNvPr id="22" name="TextBox 21">
@@ -15763,7 +15770,7 @@
             </p:txBody>
           </p:sp>
         </mc:Choice>
-        <mc:Fallback>
+        <mc:Fallback xmlns="">
           <p:sp>
             <p:nvSpPr>
               <p:cNvPr id="22" name="TextBox 21">
@@ -15877,8 +15884,8 @@
           </a:p>
         </p:txBody>
       </p:sp>
-      <mc:AlternateContent xmlns:mc="http://schemas.openxmlformats.org/markup-compatibility/2006">
-        <mc:Choice xmlns:a14="http://schemas.microsoft.com/office/drawing/2010/main" Requires="a14">
+      <mc:AlternateContent xmlns:mc="http://schemas.openxmlformats.org/markup-compatibility/2006" xmlns:a14="http://schemas.microsoft.com/office/drawing/2010/main">
+        <mc:Choice Requires="a14">
           <p:sp>
             <p:nvSpPr>
               <p:cNvPr id="5" name="Объект 4">
@@ -16085,7 +16092,7 @@
             </p:txBody>
           </p:sp>
         </mc:Choice>
-        <mc:Fallback>
+        <mc:Fallback xmlns="">
           <p:sp>
             <p:nvSpPr>
               <p:cNvPr id="5" name="Объект 4">

--- a/ИУ7-85Б_Зуев_През_ВКР_4версия.pptx
+++ b/ИУ7-85Б_Зуев_През_ВКР_4версия.pptx
@@ -5,7 +5,7 @@
     <p:sldMasterId id="2147483660" r:id="rId1"/>
   </p:sldMasterIdLst>
   <p:notesMasterIdLst>
-    <p:notesMasterId r:id="rId21"/>
+    <p:notesMasterId r:id="rId20"/>
   </p:notesMasterIdLst>
   <p:sldIdLst>
     <p:sldId id="256" r:id="rId2"/>
@@ -21,12 +21,11 @@
     <p:sldId id="277" r:id="rId12"/>
     <p:sldId id="284" r:id="rId13"/>
     <p:sldId id="285" r:id="rId14"/>
-    <p:sldId id="288" r:id="rId15"/>
-    <p:sldId id="278" r:id="rId16"/>
-    <p:sldId id="260" r:id="rId17"/>
-    <p:sldId id="275" r:id="rId18"/>
-    <p:sldId id="276" r:id="rId19"/>
-    <p:sldId id="268" r:id="rId20"/>
+    <p:sldId id="278" r:id="rId15"/>
+    <p:sldId id="260" r:id="rId16"/>
+    <p:sldId id="275" r:id="rId17"/>
+    <p:sldId id="276" r:id="rId18"/>
+    <p:sldId id="268" r:id="rId19"/>
   </p:sldIdLst>
   <p:sldSz cx="9906000" cy="6858000" type="A4"/>
   <p:notesSz cx="6858000" cy="9144000"/>
@@ -215,7 +214,7 @@
           <a:p>
             <a:fld id="{8361932B-7682-40F8-B7CC-B5DCDEF0DC88}" type="datetimeFigureOut">
               <a:rPr lang="ru-RU" smtClean="0"/>
-              <a:t>19.06.2025</a:t>
+              <a:t>22.06.2025</a:t>
             </a:fld>
             <a:endParaRPr lang="ru-RU"/>
           </a:p>
@@ -547,7 +546,7 @@
           <a:p>
             <a:fld id="{94DF9FB5-2D2E-4797-BBF6-8ECEB7F00BA5}" type="slidenum">
               <a:rPr lang="ru-RU" smtClean="0"/>
-              <a:t>17</a:t>
+              <a:t>16</a:t>
             </a:fld>
             <a:endParaRPr lang="ru-RU"/>
           </a:p>
@@ -697,7 +696,7 @@
           <a:p>
             <a:fld id="{47C327EC-E918-46DA-965A-D89F60CE73F2}" type="datetime1">
               <a:rPr lang="ru-RU" smtClean="0"/>
-              <a:t>19.06.2025</a:t>
+              <a:t>22.06.2025</a:t>
             </a:fld>
             <a:endParaRPr lang="ru-RU"/>
           </a:p>
@@ -867,7 +866,7 @@
           <a:p>
             <a:fld id="{9FB30949-1A9C-4893-9C09-B131864ABCA3}" type="datetime1">
               <a:rPr lang="ru-RU" smtClean="0"/>
-              <a:t>19.06.2025</a:t>
+              <a:t>22.06.2025</a:t>
             </a:fld>
             <a:endParaRPr lang="ru-RU"/>
           </a:p>
@@ -1047,7 +1046,7 @@
           <a:p>
             <a:fld id="{FC553BE8-660E-437B-BBE9-1D704701F54F}" type="datetime1">
               <a:rPr lang="ru-RU" smtClean="0"/>
-              <a:t>19.06.2025</a:t>
+              <a:t>22.06.2025</a:t>
             </a:fld>
             <a:endParaRPr lang="ru-RU"/>
           </a:p>
@@ -1217,7 +1216,7 @@
           <a:p>
             <a:fld id="{F60B5145-3885-4A9A-A22F-280984127DDD}" type="datetime1">
               <a:rPr lang="ru-RU" smtClean="0"/>
-              <a:t>19.06.2025</a:t>
+              <a:t>22.06.2025</a:t>
             </a:fld>
             <a:endParaRPr lang="ru-RU"/>
           </a:p>
@@ -1461,7 +1460,7 @@
           <a:p>
             <a:fld id="{DFB1535F-AFA2-4FA1-ACF1-11B23421BF73}" type="datetime1">
               <a:rPr lang="ru-RU" smtClean="0"/>
-              <a:t>19.06.2025</a:t>
+              <a:t>22.06.2025</a:t>
             </a:fld>
             <a:endParaRPr lang="ru-RU"/>
           </a:p>
@@ -1693,7 +1692,7 @@
           <a:p>
             <a:fld id="{69FE8D11-6AF3-46D5-8134-DBAFFEC4197E}" type="datetime1">
               <a:rPr lang="ru-RU" smtClean="0"/>
-              <a:t>19.06.2025</a:t>
+              <a:t>22.06.2025</a:t>
             </a:fld>
             <a:endParaRPr lang="ru-RU"/>
           </a:p>
@@ -2060,7 +2059,7 @@
           <a:p>
             <a:fld id="{DD7EE7BD-992D-4A1A-B33E-CA0F036EB7A1}" type="datetime1">
               <a:rPr lang="ru-RU" smtClean="0"/>
-              <a:t>19.06.2025</a:t>
+              <a:t>22.06.2025</a:t>
             </a:fld>
             <a:endParaRPr lang="ru-RU"/>
           </a:p>
@@ -2178,7 +2177,7 @@
           <a:p>
             <a:fld id="{5F39BB8A-F253-41C5-BE3D-51D199F10B4A}" type="datetime1">
               <a:rPr lang="ru-RU" smtClean="0"/>
-              <a:t>19.06.2025</a:t>
+              <a:t>22.06.2025</a:t>
             </a:fld>
             <a:endParaRPr lang="ru-RU"/>
           </a:p>
@@ -2273,7 +2272,7 @@
           <a:p>
             <a:fld id="{D0D57DE5-A8CD-4548-BD47-6B1F22D177A3}" type="datetime1">
               <a:rPr lang="ru-RU" smtClean="0"/>
-              <a:t>19.06.2025</a:t>
+              <a:t>22.06.2025</a:t>
             </a:fld>
             <a:endParaRPr lang="ru-RU"/>
           </a:p>
@@ -2550,7 +2549,7 @@
           <a:p>
             <a:fld id="{6ED3CB4D-880D-431A-AC19-5175B8AE3CAF}" type="datetime1">
               <a:rPr lang="ru-RU" smtClean="0"/>
-              <a:t>19.06.2025</a:t>
+              <a:t>22.06.2025</a:t>
             </a:fld>
             <a:endParaRPr lang="ru-RU"/>
           </a:p>
@@ -2807,7 +2806,7 @@
           <a:p>
             <a:fld id="{176FB70E-976A-4BE1-AC6A-77A269007F64}" type="datetime1">
               <a:rPr lang="ru-RU" smtClean="0"/>
-              <a:t>19.06.2025</a:t>
+              <a:t>22.06.2025</a:t>
             </a:fld>
             <a:endParaRPr lang="ru-RU"/>
           </a:p>
@@ -3020,7 +3019,7 @@
           <a:p>
             <a:fld id="{5B845AB5-3C3D-409C-A34B-211DA3C6C40A}" type="datetime1">
               <a:rPr lang="ru-RU" smtClean="0"/>
-              <a:t>19.06.2025</a:t>
+              <a:t>22.06.2025</a:t>
             </a:fld>
             <a:endParaRPr lang="ru-RU"/>
           </a:p>
@@ -3459,7 +3458,7 @@
                 <a:latin typeface="Times New Roman" panose="02020603050405020304" pitchFamily="18" charset="0"/>
                 <a:cs typeface="Times New Roman" panose="02020603050405020304" pitchFamily="18" charset="0"/>
               </a:rPr>
-              <a:t>«Метод автоматической нормализации в реляционных базах данных с использованием анализа функциональных зависимостей»</a:t>
+              <a:t>«Метод автоматической нормализации для реляционных баз данных с использованием анализа функциональных зависимостей»</a:t>
             </a:r>
             <a:br>
               <a:rPr lang="ru-RU" sz="2925" b="1" dirty="0">
@@ -5007,190 +5006,6 @@
       </p:grpSpPr>
       <p:sp>
         <p:nvSpPr>
-          <p:cNvPr id="2" name="Заголовок 1">
-            <a:extLst>
-              <a:ext uri="{FF2B5EF4-FFF2-40B4-BE49-F238E27FC236}">
-                <a16:creationId xmlns:a16="http://schemas.microsoft.com/office/drawing/2014/main" id="{12206179-4561-AE3B-35DF-FC5F7F7E382B}"/>
-              </a:ext>
-            </a:extLst>
-          </p:cNvPr>
-          <p:cNvSpPr>
-            <a:spLocks noGrp="1"/>
-          </p:cNvSpPr>
-          <p:nvPr>
-            <p:ph type="title"/>
-          </p:nvPr>
-        </p:nvSpPr>
-        <p:spPr/>
-        <p:txBody>
-          <a:bodyPr/>
-          <a:lstStyle/>
-          <a:p>
-            <a:endParaRPr lang="ru-RU"/>
-          </a:p>
-        </p:txBody>
-      </p:sp>
-      <p:sp>
-        <p:nvSpPr>
-          <p:cNvPr id="3" name="Текст 2">
-            <a:extLst>
-              <a:ext uri="{FF2B5EF4-FFF2-40B4-BE49-F238E27FC236}">
-                <a16:creationId xmlns:a16="http://schemas.microsoft.com/office/drawing/2014/main" id="{F3EFB383-CA06-7B51-AA8C-5016E7F53016}"/>
-              </a:ext>
-            </a:extLst>
-          </p:cNvPr>
-          <p:cNvSpPr>
-            <a:spLocks noGrp="1"/>
-          </p:cNvSpPr>
-          <p:nvPr>
-            <p:ph type="body" idx="1"/>
-          </p:nvPr>
-        </p:nvSpPr>
-        <p:spPr/>
-        <p:txBody>
-          <a:bodyPr/>
-          <a:lstStyle/>
-          <a:p>
-            <a:endParaRPr lang="ru-RU"/>
-          </a:p>
-        </p:txBody>
-      </p:sp>
-      <p:sp>
-        <p:nvSpPr>
-          <p:cNvPr id="4" name="Объект 3">
-            <a:extLst>
-              <a:ext uri="{FF2B5EF4-FFF2-40B4-BE49-F238E27FC236}">
-                <a16:creationId xmlns:a16="http://schemas.microsoft.com/office/drawing/2014/main" id="{4DA4C831-661A-221D-190D-2F7594814C7D}"/>
-              </a:ext>
-            </a:extLst>
-          </p:cNvPr>
-          <p:cNvSpPr>
-            <a:spLocks noGrp="1"/>
-          </p:cNvSpPr>
-          <p:nvPr>
-            <p:ph sz="half" idx="2"/>
-          </p:nvPr>
-        </p:nvSpPr>
-        <p:spPr/>
-        <p:txBody>
-          <a:bodyPr/>
-          <a:lstStyle/>
-          <a:p>
-            <a:endParaRPr lang="ru-RU"/>
-          </a:p>
-        </p:txBody>
-      </p:sp>
-      <p:sp>
-        <p:nvSpPr>
-          <p:cNvPr id="5" name="Текст 4">
-            <a:extLst>
-              <a:ext uri="{FF2B5EF4-FFF2-40B4-BE49-F238E27FC236}">
-                <a16:creationId xmlns:a16="http://schemas.microsoft.com/office/drawing/2014/main" id="{99874C86-3084-2180-1A1D-AE8284AF886C}"/>
-              </a:ext>
-            </a:extLst>
-          </p:cNvPr>
-          <p:cNvSpPr>
-            <a:spLocks noGrp="1"/>
-          </p:cNvSpPr>
-          <p:nvPr>
-            <p:ph type="body" sz="quarter" idx="3"/>
-          </p:nvPr>
-        </p:nvSpPr>
-        <p:spPr/>
-        <p:txBody>
-          <a:bodyPr/>
-          <a:lstStyle/>
-          <a:p>
-            <a:endParaRPr lang="ru-RU"/>
-          </a:p>
-        </p:txBody>
-      </p:sp>
-      <p:sp>
-        <p:nvSpPr>
-          <p:cNvPr id="6" name="Объект 5">
-            <a:extLst>
-              <a:ext uri="{FF2B5EF4-FFF2-40B4-BE49-F238E27FC236}">
-                <a16:creationId xmlns:a16="http://schemas.microsoft.com/office/drawing/2014/main" id="{9B83E4E5-CB2B-289C-97E3-89B28AB54978}"/>
-              </a:ext>
-            </a:extLst>
-          </p:cNvPr>
-          <p:cNvSpPr>
-            <a:spLocks noGrp="1"/>
-          </p:cNvSpPr>
-          <p:nvPr>
-            <p:ph sz="quarter" idx="4"/>
-          </p:nvPr>
-        </p:nvSpPr>
-        <p:spPr/>
-        <p:txBody>
-          <a:bodyPr/>
-          <a:lstStyle/>
-          <a:p>
-            <a:endParaRPr lang="ru-RU"/>
-          </a:p>
-        </p:txBody>
-      </p:sp>
-      <p:sp>
-        <p:nvSpPr>
-          <p:cNvPr id="7" name="Номер слайда 6">
-            <a:extLst>
-              <a:ext uri="{FF2B5EF4-FFF2-40B4-BE49-F238E27FC236}">
-                <a16:creationId xmlns:a16="http://schemas.microsoft.com/office/drawing/2014/main" id="{50F1AF13-5BC2-7179-3FB1-F520377FA281}"/>
-              </a:ext>
-            </a:extLst>
-          </p:cNvPr>
-          <p:cNvSpPr>
-            <a:spLocks noGrp="1"/>
-          </p:cNvSpPr>
-          <p:nvPr>
-            <p:ph type="sldNum" sz="quarter" idx="12"/>
-          </p:nvPr>
-        </p:nvSpPr>
-        <p:spPr/>
-        <p:txBody>
-          <a:bodyPr/>
-          <a:lstStyle/>
-          <a:p>
-            <a:fld id="{65F98FE3-B623-4641-928F-C91B54B9BCC4}" type="slidenum">
-              <a:rPr lang="ru-RU" smtClean="0"/>
-              <a:t>14</a:t>
-            </a:fld>
-            <a:endParaRPr lang="ru-RU"/>
-          </a:p>
-        </p:txBody>
-      </p:sp>
-    </p:spTree>
-    <p:extLst>
-      <p:ext uri="{BB962C8B-B14F-4D97-AF65-F5344CB8AC3E}">
-        <p14:creationId xmlns:p14="http://schemas.microsoft.com/office/powerpoint/2010/main" val="370156468"/>
-      </p:ext>
-    </p:extLst>
-  </p:cSld>
-  <p:clrMapOvr>
-    <a:masterClrMapping/>
-  </p:clrMapOvr>
-</p:sld>
-</file>
-
-<file path=ppt/slides/slide15.xml><?xml version="1.0" encoding="utf-8"?>
-<p:sld xmlns:a="http://schemas.openxmlformats.org/drawingml/2006/main" xmlns:r="http://schemas.openxmlformats.org/officeDocument/2006/relationships" xmlns:p="http://schemas.openxmlformats.org/presentationml/2006/main">
-  <p:cSld>
-    <p:spTree>
-      <p:nvGrpSpPr>
-        <p:cNvPr id="1" name=""/>
-        <p:cNvGrpSpPr/>
-        <p:nvPr/>
-      </p:nvGrpSpPr>
-      <p:grpSpPr>
-        <a:xfrm>
-          <a:off x="0" y="0"/>
-          <a:ext cx="0" cy="0"/>
-          <a:chOff x="0" y="0"/>
-          <a:chExt cx="0" cy="0"/>
-        </a:xfrm>
-      </p:grpSpPr>
-      <p:sp>
-        <p:nvSpPr>
           <p:cNvPr id="13" name="Номер слайда 12">
             <a:extLst>
               <a:ext uri="{FF2B5EF4-FFF2-40B4-BE49-F238E27FC236}">
@@ -5212,7 +5027,7 @@
           <a:p>
             <a:fld id="{65F98FE3-B623-4641-928F-C91B54B9BCC4}" type="slidenum">
               <a:rPr lang="ru-RU" smtClean="0"/>
-              <a:t>15</a:t>
+              <a:t>14</a:t>
             </a:fld>
             <a:endParaRPr lang="ru-RU"/>
           </a:p>
@@ -5325,7 +5140,7 @@
 </p:sld>
 </file>
 
-<file path=ppt/slides/slide16.xml><?xml version="1.0" encoding="utf-8"?>
+<file path=ppt/slides/slide15.xml><?xml version="1.0" encoding="utf-8"?>
 <p:sld xmlns:a="http://schemas.openxmlformats.org/drawingml/2006/main" xmlns:r="http://schemas.openxmlformats.org/officeDocument/2006/relationships" xmlns:p="http://schemas.openxmlformats.org/presentationml/2006/main">
   <p:cSld>
     <p:spTree>
@@ -5407,7 +5222,7 @@
           <a:p>
             <a:fld id="{65F98FE3-B623-4641-928F-C91B54B9BCC4}" type="slidenum">
               <a:rPr lang="ru-RU" smtClean="0"/>
-              <a:t>16</a:t>
+              <a:t>15</a:t>
             </a:fld>
             <a:endParaRPr lang="ru-RU"/>
           </a:p>
@@ -5693,7 +5508,7 @@
 </p:sld>
 </file>
 
-<file path=ppt/slides/slide17.xml><?xml version="1.0" encoding="utf-8"?>
+<file path=ppt/slides/slide16.xml><?xml version="1.0" encoding="utf-8"?>
 <p:sld xmlns:a="http://schemas.openxmlformats.org/drawingml/2006/main" xmlns:r="http://schemas.openxmlformats.org/officeDocument/2006/relationships" xmlns:p="http://schemas.openxmlformats.org/presentationml/2006/main">
   <p:cSld>
     <p:spTree>
@@ -5778,7 +5593,7 @@
           <a:p>
             <a:fld id="{65F98FE3-B623-4641-928F-C91B54B9BCC4}" type="slidenum">
               <a:rPr lang="ru-RU" smtClean="0"/>
-              <a:t>17</a:t>
+              <a:t>16</a:t>
             </a:fld>
             <a:endParaRPr lang="ru-RU"/>
           </a:p>
@@ -5983,8 +5798,8 @@
           </a:p>
         </p:txBody>
       </p:sp>
-      <mc:AlternateContent xmlns:mc="http://schemas.openxmlformats.org/markup-compatibility/2006">
-        <mc:Choice xmlns:a14="http://schemas.microsoft.com/office/drawing/2010/main" Requires="a14">
+      <mc:AlternateContent xmlns:mc="http://schemas.openxmlformats.org/markup-compatibility/2006" xmlns:a14="http://schemas.microsoft.com/office/drawing/2010/main">
+        <mc:Choice Requires="a14">
           <p:sp>
             <p:nvSpPr>
               <p:cNvPr id="5" name="TextBox 4">
@@ -6586,7 +6401,7 @@
             </p:txBody>
           </p:sp>
         </mc:Choice>
-        <mc:Fallback>
+        <mc:Fallback xmlns="">
           <p:sp>
             <p:nvSpPr>
               <p:cNvPr id="5" name="TextBox 4">
@@ -6954,7 +6769,7 @@
 </p:sld>
 </file>
 
-<file path=ppt/slides/slide18.xml><?xml version="1.0" encoding="utf-8"?>
+<file path=ppt/slides/slide17.xml><?xml version="1.0" encoding="utf-8"?>
 <p:sld xmlns:a="http://schemas.openxmlformats.org/drawingml/2006/main" xmlns:r="http://schemas.openxmlformats.org/officeDocument/2006/relationships" xmlns:p="http://schemas.openxmlformats.org/presentationml/2006/main">
   <p:cSld>
     <p:spTree>
@@ -7047,7 +6862,7 @@
           <a:p>
             <a:fld id="{65F98FE3-B623-4641-928F-C91B54B9BCC4}" type="slidenum">
               <a:rPr lang="ru-RU" smtClean="0"/>
-              <a:t>18</a:t>
+              <a:t>17</a:t>
             </a:fld>
             <a:endParaRPr lang="ru-RU"/>
           </a:p>
@@ -7375,7 +7190,7 @@
 </p:sld>
 </file>
 
-<file path=ppt/slides/slide19.xml><?xml version="1.0" encoding="utf-8"?>
+<file path=ppt/slides/slide18.xml><?xml version="1.0" encoding="utf-8"?>
 <p:sld xmlns:a="http://schemas.openxmlformats.org/drawingml/2006/main" xmlns:r="http://schemas.openxmlformats.org/officeDocument/2006/relationships" xmlns:p="http://schemas.openxmlformats.org/presentationml/2006/main">
   <p:cSld>
     <p:spTree>
@@ -7739,7 +7554,7 @@
           <a:p>
             <a:fld id="{65F98FE3-B623-4641-928F-C91B54B9BCC4}" type="slidenum">
               <a:rPr lang="ru-RU" smtClean="0"/>
-              <a:t>19</a:t>
+              <a:t>18</a:t>
             </a:fld>
             <a:endParaRPr lang="ru-RU" dirty="0"/>
           </a:p>
@@ -8125,32 +7940,20 @@
               <a:t> работы является </a:t>
             </a:r>
             <a:r>
-              <a:rPr lang="ru-RU" sz="2000">
-                <a:effectLst/>
-                <a:latin typeface="Times New Roman" panose="02020603050405020304" pitchFamily="18" charset="0"/>
-                <a:ea typeface="Times New Roman" panose="02020603050405020304" pitchFamily="18" charset="0"/>
-              </a:rPr>
-              <a:t>разработка метода </a:t>
-            </a:r>
-            <a:r>
               <a:rPr lang="ru-RU" sz="2000" dirty="0">
                 <a:effectLst/>
                 <a:latin typeface="Times New Roman" panose="02020603050405020304" pitchFamily="18" charset="0"/>
                 <a:ea typeface="Times New Roman" panose="02020603050405020304" pitchFamily="18" charset="0"/>
               </a:rPr>
-              <a:t>нормализации в реляционных базах данных с использованием анализа функциональных зависимостей.</a:t>
+              <a:t>разработка метода нормализации в реляционных базах данных с использованием анализа функциональных зависимостей.</a:t>
             </a:r>
             <a:r>
-              <a:rPr lang="ru-RU" sz="2000" b="1">
+              <a:rPr lang="ru-RU" sz="2000" b="1" dirty="0">
                 <a:latin typeface="Times New Roman" panose="02020603050405020304" pitchFamily="18" charset="0"/>
                 <a:cs typeface="Times New Roman" panose="02020603050405020304" pitchFamily="18" charset="0"/>
               </a:rPr>
               <a:t>	</a:t>
             </a:r>
-            <a:endParaRPr lang="ru-RU" sz="2000" b="1" dirty="0">
-              <a:latin typeface="Times New Roman" panose="02020603050405020304" pitchFamily="18" charset="0"/>
-              <a:cs typeface="Times New Roman" panose="02020603050405020304" pitchFamily="18" charset="0"/>
-            </a:endParaRPr>
           </a:p>
           <a:p>
             <a:pPr marL="0" indent="0">

--- a/ИУ7-85Б_Зуев_През_ВКР_4версия.pptx
+++ b/ИУ7-85Б_Зуев_През_ВКР_4версия.pptx
@@ -214,7 +214,7 @@
           <a:p>
             <a:fld id="{8361932B-7682-40F8-B7CC-B5DCDEF0DC88}" type="datetimeFigureOut">
               <a:rPr lang="ru-RU" smtClean="0"/>
-              <a:t>22.06.2025</a:t>
+              <a:t>23.06.2025</a:t>
             </a:fld>
             <a:endParaRPr lang="ru-RU"/>
           </a:p>
@@ -546,6 +546,174 @@
           <a:p>
             <a:fld id="{94DF9FB5-2D2E-4797-BBF6-8ECEB7F00BA5}" type="slidenum">
               <a:rPr lang="ru-RU" smtClean="0"/>
+              <a:t>12</a:t>
+            </a:fld>
+            <a:endParaRPr lang="ru-RU"/>
+          </a:p>
+        </p:txBody>
+      </p:sp>
+    </p:spTree>
+    <p:extLst>
+      <p:ext uri="{BB962C8B-B14F-4D97-AF65-F5344CB8AC3E}">
+        <p14:creationId xmlns:p14="http://schemas.microsoft.com/office/powerpoint/2010/main" val="3112949381"/>
+      </p:ext>
+    </p:extLst>
+  </p:cSld>
+  <p:clrMapOvr>
+    <a:masterClrMapping/>
+  </p:clrMapOvr>
+</p:notes>
+</file>
+
+<file path=ppt/notesSlides/notesSlide2.xml><?xml version="1.0" encoding="utf-8"?>
+<p:notes xmlns:a="http://schemas.openxmlformats.org/drawingml/2006/main" xmlns:r="http://schemas.openxmlformats.org/officeDocument/2006/relationships" xmlns:p="http://schemas.openxmlformats.org/presentationml/2006/main">
+  <p:cSld>
+    <p:spTree>
+      <p:nvGrpSpPr>
+        <p:cNvPr id="1" name=""/>
+        <p:cNvGrpSpPr/>
+        <p:nvPr/>
+      </p:nvGrpSpPr>
+      <p:grpSpPr>
+        <a:xfrm>
+          <a:off x="0" y="0"/>
+          <a:ext cx="0" cy="0"/>
+          <a:chOff x="0" y="0"/>
+          <a:chExt cx="0" cy="0"/>
+        </a:xfrm>
+      </p:grpSpPr>
+      <p:sp>
+        <p:nvSpPr>
+          <p:cNvPr id="2" name="Образ слайда 1"/>
+          <p:cNvSpPr>
+            <a:spLocks noGrp="1" noRot="1" noChangeAspect="1"/>
+          </p:cNvSpPr>
+          <p:nvPr>
+            <p:ph type="sldImg"/>
+          </p:nvPr>
+        </p:nvSpPr>
+        <p:spPr/>
+      </p:sp>
+      <p:sp>
+        <p:nvSpPr>
+          <p:cNvPr id="3" name="Заметки 2"/>
+          <p:cNvSpPr>
+            <a:spLocks noGrp="1"/>
+          </p:cNvSpPr>
+          <p:nvPr>
+            <p:ph type="body" idx="1"/>
+          </p:nvPr>
+        </p:nvSpPr>
+        <p:spPr/>
+        <p:txBody>
+          <a:bodyPr/>
+          <a:lstStyle/>
+          <a:p>
+            <a:endParaRPr lang="ru-RU" dirty="0"/>
+          </a:p>
+        </p:txBody>
+      </p:sp>
+      <p:sp>
+        <p:nvSpPr>
+          <p:cNvPr id="4" name="Номер слайда 3"/>
+          <p:cNvSpPr>
+            <a:spLocks noGrp="1"/>
+          </p:cNvSpPr>
+          <p:nvPr>
+            <p:ph type="sldNum" sz="quarter" idx="5"/>
+          </p:nvPr>
+        </p:nvSpPr>
+        <p:spPr/>
+        <p:txBody>
+          <a:bodyPr/>
+          <a:lstStyle/>
+          <a:p>
+            <a:fld id="{94DF9FB5-2D2E-4797-BBF6-8ECEB7F00BA5}" type="slidenum">
+              <a:rPr lang="ru-RU" smtClean="0"/>
+              <a:t>14</a:t>
+            </a:fld>
+            <a:endParaRPr lang="ru-RU"/>
+          </a:p>
+        </p:txBody>
+      </p:sp>
+    </p:spTree>
+    <p:extLst>
+      <p:ext uri="{BB962C8B-B14F-4D97-AF65-F5344CB8AC3E}">
+        <p14:creationId xmlns:p14="http://schemas.microsoft.com/office/powerpoint/2010/main" val="3123971399"/>
+      </p:ext>
+    </p:extLst>
+  </p:cSld>
+  <p:clrMapOvr>
+    <a:masterClrMapping/>
+  </p:clrMapOvr>
+</p:notes>
+</file>
+
+<file path=ppt/notesSlides/notesSlide3.xml><?xml version="1.0" encoding="utf-8"?>
+<p:notes xmlns:a="http://schemas.openxmlformats.org/drawingml/2006/main" xmlns:r="http://schemas.openxmlformats.org/officeDocument/2006/relationships" xmlns:p="http://schemas.openxmlformats.org/presentationml/2006/main">
+  <p:cSld>
+    <p:spTree>
+      <p:nvGrpSpPr>
+        <p:cNvPr id="1" name=""/>
+        <p:cNvGrpSpPr/>
+        <p:nvPr/>
+      </p:nvGrpSpPr>
+      <p:grpSpPr>
+        <a:xfrm>
+          <a:off x="0" y="0"/>
+          <a:ext cx="0" cy="0"/>
+          <a:chOff x="0" y="0"/>
+          <a:chExt cx="0" cy="0"/>
+        </a:xfrm>
+      </p:grpSpPr>
+      <p:sp>
+        <p:nvSpPr>
+          <p:cNvPr id="2" name="Образ слайда 1"/>
+          <p:cNvSpPr>
+            <a:spLocks noGrp="1" noRot="1" noChangeAspect="1"/>
+          </p:cNvSpPr>
+          <p:nvPr>
+            <p:ph type="sldImg"/>
+          </p:nvPr>
+        </p:nvSpPr>
+        <p:spPr/>
+      </p:sp>
+      <p:sp>
+        <p:nvSpPr>
+          <p:cNvPr id="3" name="Заметки 2"/>
+          <p:cNvSpPr>
+            <a:spLocks noGrp="1"/>
+          </p:cNvSpPr>
+          <p:nvPr>
+            <p:ph type="body" idx="1"/>
+          </p:nvPr>
+        </p:nvSpPr>
+        <p:spPr/>
+        <p:txBody>
+          <a:bodyPr/>
+          <a:lstStyle/>
+          <a:p>
+            <a:endParaRPr lang="ru-RU" dirty="0"/>
+          </a:p>
+        </p:txBody>
+      </p:sp>
+      <p:sp>
+        <p:nvSpPr>
+          <p:cNvPr id="4" name="Номер слайда 3"/>
+          <p:cNvSpPr>
+            <a:spLocks noGrp="1"/>
+          </p:cNvSpPr>
+          <p:nvPr>
+            <p:ph type="sldNum" sz="quarter" idx="5"/>
+          </p:nvPr>
+        </p:nvSpPr>
+        <p:spPr/>
+        <p:txBody>
+          <a:bodyPr/>
+          <a:lstStyle/>
+          <a:p>
+            <a:fld id="{94DF9FB5-2D2E-4797-BBF6-8ECEB7F00BA5}" type="slidenum">
+              <a:rPr lang="ru-RU" smtClean="0"/>
               <a:t>16</a:t>
             </a:fld>
             <a:endParaRPr lang="ru-RU"/>
@@ -696,7 +864,7 @@
           <a:p>
             <a:fld id="{47C327EC-E918-46DA-965A-D89F60CE73F2}" type="datetime1">
               <a:rPr lang="ru-RU" smtClean="0"/>
-              <a:t>22.06.2025</a:t>
+              <a:t>23.06.2025</a:t>
             </a:fld>
             <a:endParaRPr lang="ru-RU"/>
           </a:p>
@@ -866,7 +1034,7 @@
           <a:p>
             <a:fld id="{9FB30949-1A9C-4893-9C09-B131864ABCA3}" type="datetime1">
               <a:rPr lang="ru-RU" smtClean="0"/>
-              <a:t>22.06.2025</a:t>
+              <a:t>23.06.2025</a:t>
             </a:fld>
             <a:endParaRPr lang="ru-RU"/>
           </a:p>
@@ -1046,7 +1214,7 @@
           <a:p>
             <a:fld id="{FC553BE8-660E-437B-BBE9-1D704701F54F}" type="datetime1">
               <a:rPr lang="ru-RU" smtClean="0"/>
-              <a:t>22.06.2025</a:t>
+              <a:t>23.06.2025</a:t>
             </a:fld>
             <a:endParaRPr lang="ru-RU"/>
           </a:p>
@@ -1216,7 +1384,7 @@
           <a:p>
             <a:fld id="{F60B5145-3885-4A9A-A22F-280984127DDD}" type="datetime1">
               <a:rPr lang="ru-RU" smtClean="0"/>
-              <a:t>22.06.2025</a:t>
+              <a:t>23.06.2025</a:t>
             </a:fld>
             <a:endParaRPr lang="ru-RU"/>
           </a:p>
@@ -1460,7 +1628,7 @@
           <a:p>
             <a:fld id="{DFB1535F-AFA2-4FA1-ACF1-11B23421BF73}" type="datetime1">
               <a:rPr lang="ru-RU" smtClean="0"/>
-              <a:t>22.06.2025</a:t>
+              <a:t>23.06.2025</a:t>
             </a:fld>
             <a:endParaRPr lang="ru-RU"/>
           </a:p>
@@ -1692,7 +1860,7 @@
           <a:p>
             <a:fld id="{69FE8D11-6AF3-46D5-8134-DBAFFEC4197E}" type="datetime1">
               <a:rPr lang="ru-RU" smtClean="0"/>
-              <a:t>22.06.2025</a:t>
+              <a:t>23.06.2025</a:t>
             </a:fld>
             <a:endParaRPr lang="ru-RU"/>
           </a:p>
@@ -2059,7 +2227,7 @@
           <a:p>
             <a:fld id="{DD7EE7BD-992D-4A1A-B33E-CA0F036EB7A1}" type="datetime1">
               <a:rPr lang="ru-RU" smtClean="0"/>
-              <a:t>22.06.2025</a:t>
+              <a:t>23.06.2025</a:t>
             </a:fld>
             <a:endParaRPr lang="ru-RU"/>
           </a:p>
@@ -2177,7 +2345,7 @@
           <a:p>
             <a:fld id="{5F39BB8A-F253-41C5-BE3D-51D199F10B4A}" type="datetime1">
               <a:rPr lang="ru-RU" smtClean="0"/>
-              <a:t>22.06.2025</a:t>
+              <a:t>23.06.2025</a:t>
             </a:fld>
             <a:endParaRPr lang="ru-RU"/>
           </a:p>
@@ -2272,7 +2440,7 @@
           <a:p>
             <a:fld id="{D0D57DE5-A8CD-4548-BD47-6B1F22D177A3}" type="datetime1">
               <a:rPr lang="ru-RU" smtClean="0"/>
-              <a:t>22.06.2025</a:t>
+              <a:t>23.06.2025</a:t>
             </a:fld>
             <a:endParaRPr lang="ru-RU"/>
           </a:p>
@@ -2549,7 +2717,7 @@
           <a:p>
             <a:fld id="{6ED3CB4D-880D-431A-AC19-5175B8AE3CAF}" type="datetime1">
               <a:rPr lang="ru-RU" smtClean="0"/>
-              <a:t>22.06.2025</a:t>
+              <a:t>23.06.2025</a:t>
             </a:fld>
             <a:endParaRPr lang="ru-RU"/>
           </a:p>
@@ -2806,7 +2974,7 @@
           <a:p>
             <a:fld id="{176FB70E-976A-4BE1-AC6A-77A269007F64}" type="datetime1">
               <a:rPr lang="ru-RU" smtClean="0"/>
-              <a:t>22.06.2025</a:t>
+              <a:t>23.06.2025</a:t>
             </a:fld>
             <a:endParaRPr lang="ru-RU"/>
           </a:p>
@@ -3019,7 +3187,7 @@
           <a:p>
             <a:fld id="{5B845AB5-3C3D-409C-A34B-211DA3C6C40A}" type="datetime1">
               <a:rPr lang="ru-RU" smtClean="0"/>
-              <a:t>22.06.2025</a:t>
+              <a:t>23.06.2025</a:t>
             </a:fld>
             <a:endParaRPr lang="ru-RU"/>
           </a:p>
@@ -4431,10 +4599,10 @@
       </p:sp>
       <p:pic>
         <p:nvPicPr>
-          <p:cNvPr id="4" name="Рисунок 3" descr="Изображение выглядит как диаграмма, План, текст, Технический чертеж&#10;&#10;Контент, сгенерированный ИИ, может содержать ошибки.">
+          <p:cNvPr id="3" name="Рисунок 2">
             <a:extLst>
               <a:ext uri="{FF2B5EF4-FFF2-40B4-BE49-F238E27FC236}">
-                <a16:creationId xmlns:a16="http://schemas.microsoft.com/office/drawing/2014/main" id="{82D85C03-1823-E07C-B152-63FFD261A8DC}"/>
+                <a16:creationId xmlns:a16="http://schemas.microsoft.com/office/drawing/2014/main" id="{5AFCE759-74C1-E6B6-590A-3A983587E1DF}"/>
               </a:ext>
             </a:extLst>
           </p:cNvPr>
@@ -4451,18 +4619,23 @@
               </a:ext>
             </a:extLst>
           </a:blip>
+          <a:srcRect/>
           <a:stretch>
             <a:fillRect/>
           </a:stretch>
         </p:blipFill>
-        <p:spPr>
+        <p:spPr bwMode="auto">
           <a:xfrm>
-            <a:off x="0" y="1083685"/>
-            <a:ext cx="9906000" cy="4883130"/>
+            <a:off x="665423" y="1288774"/>
+            <a:ext cx="8575153" cy="4280451"/>
           </a:xfrm>
           <a:prstGeom prst="rect">
             <a:avLst/>
           </a:prstGeom>
+          <a:noFill/>
+          <a:ln>
+            <a:noFill/>
+          </a:ln>
         </p:spPr>
       </p:pic>
     </p:spTree>
@@ -4495,6 +4668,47 @@
           <a:chExt cx="0" cy="0"/>
         </a:xfrm>
       </p:grpSpPr>
+      <p:pic>
+        <p:nvPicPr>
+          <p:cNvPr id="11" name="Рисунок 10">
+            <a:extLst>
+              <a:ext uri="{FF2B5EF4-FFF2-40B4-BE49-F238E27FC236}">
+                <a16:creationId xmlns:a16="http://schemas.microsoft.com/office/drawing/2014/main" id="{4835BDF3-51FB-92F4-75F7-BE3C60527BC7}"/>
+              </a:ext>
+            </a:extLst>
+          </p:cNvPr>
+          <p:cNvPicPr>
+            <a:picLocks noChangeAspect="1"/>
+          </p:cNvPicPr>
+          <p:nvPr/>
+        </p:nvPicPr>
+        <p:blipFill>
+          <a:blip r:embed="rId3">
+            <a:extLst>
+              <a:ext uri="{28A0092B-C50C-407E-A947-70E740481C1C}">
+                <a14:useLocalDpi xmlns:a14="http://schemas.microsoft.com/office/drawing/2010/main" val="0"/>
+              </a:ext>
+            </a:extLst>
+          </a:blip>
+          <a:srcRect/>
+          <a:stretch>
+            <a:fillRect/>
+          </a:stretch>
+        </p:blipFill>
+        <p:spPr bwMode="auto">
+          <a:xfrm>
+            <a:off x="7162436" y="963327"/>
+            <a:ext cx="2173677" cy="5794843"/>
+          </a:xfrm>
+          <a:prstGeom prst="rect">
+            <a:avLst/>
+          </a:prstGeom>
+          <a:noFill/>
+          <a:ln>
+            <a:noFill/>
+          </a:ln>
+        </p:spPr>
+      </p:pic>
       <p:sp>
         <p:nvSpPr>
           <p:cNvPr id="8" name="Заголовок 1">
@@ -4534,114 +4748,6 @@
           </a:p>
         </p:txBody>
       </p:sp>
-      <p:pic>
-        <p:nvPicPr>
-          <p:cNvPr id="5" name="Рисунок 4" descr="Изображение выглядит как текст, диаграмма, чек, черно-белый&#10;&#10;Контент, сгенерированный ИИ, может содержать ошибки.">
-            <a:extLst>
-              <a:ext uri="{FF2B5EF4-FFF2-40B4-BE49-F238E27FC236}">
-                <a16:creationId xmlns:a16="http://schemas.microsoft.com/office/drawing/2014/main" id="{68456194-6B99-E5B0-ADE5-4B62D02FCE06}"/>
-              </a:ext>
-            </a:extLst>
-          </p:cNvPr>
-          <p:cNvPicPr>
-            <a:picLocks noChangeAspect="1"/>
-          </p:cNvPicPr>
-          <p:nvPr/>
-        </p:nvPicPr>
-        <p:blipFill>
-          <a:blip r:embed="rId2">
-            <a:extLst>
-              <a:ext uri="{28A0092B-C50C-407E-A947-70E740481C1C}">
-                <a14:useLocalDpi xmlns:a14="http://schemas.microsoft.com/office/drawing/2010/main" val="0"/>
-              </a:ext>
-            </a:extLst>
-          </a:blip>
-          <a:stretch>
-            <a:fillRect/>
-          </a:stretch>
-        </p:blipFill>
-        <p:spPr>
-          <a:xfrm>
-            <a:off x="285093" y="982032"/>
-            <a:ext cx="1870965" cy="5818217"/>
-          </a:xfrm>
-          <a:prstGeom prst="rect">
-            <a:avLst/>
-          </a:prstGeom>
-        </p:spPr>
-      </p:pic>
-      <p:pic>
-        <p:nvPicPr>
-          <p:cNvPr id="9" name="Рисунок 8" descr="Изображение выглядит как текст, диаграмма, черно-белый, чек&#10;&#10;Контент, сгенерированный ИИ, может содержать ошибки.">
-            <a:extLst>
-              <a:ext uri="{FF2B5EF4-FFF2-40B4-BE49-F238E27FC236}">
-                <a16:creationId xmlns:a16="http://schemas.microsoft.com/office/drawing/2014/main" id="{C52DC0CA-A44C-5F90-C064-EAFA7E5BE16C}"/>
-              </a:ext>
-            </a:extLst>
-          </p:cNvPr>
-          <p:cNvPicPr>
-            <a:picLocks noChangeAspect="1"/>
-          </p:cNvPicPr>
-          <p:nvPr/>
-        </p:nvPicPr>
-        <p:blipFill>
-          <a:blip r:embed="rId3">
-            <a:extLst>
-              <a:ext uri="{28A0092B-C50C-407E-A947-70E740481C1C}">
-                <a14:useLocalDpi xmlns:a14="http://schemas.microsoft.com/office/drawing/2010/main" val="0"/>
-              </a:ext>
-            </a:extLst>
-          </a:blip>
-          <a:stretch>
-            <a:fillRect/>
-          </a:stretch>
-        </p:blipFill>
-        <p:spPr>
-          <a:xfrm>
-            <a:off x="5329909" y="982030"/>
-            <a:ext cx="1962029" cy="5818218"/>
-          </a:xfrm>
-          <a:prstGeom prst="rect">
-            <a:avLst/>
-          </a:prstGeom>
-        </p:spPr>
-      </p:pic>
-      <p:pic>
-        <p:nvPicPr>
-          <p:cNvPr id="12" name="Рисунок 11" descr="Изображение выглядит как текст, диаграмма, зарисовка, чек&#10;&#10;Контент, сгенерированный ИИ, может содержать ошибки.">
-            <a:extLst>
-              <a:ext uri="{FF2B5EF4-FFF2-40B4-BE49-F238E27FC236}">
-                <a16:creationId xmlns:a16="http://schemas.microsoft.com/office/drawing/2014/main" id="{83E3CDD4-3A0B-E768-0C2D-FF200871583E}"/>
-              </a:ext>
-            </a:extLst>
-          </p:cNvPr>
-          <p:cNvPicPr>
-            <a:picLocks noChangeAspect="1"/>
-          </p:cNvPicPr>
-          <p:nvPr/>
-        </p:nvPicPr>
-        <p:blipFill>
-          <a:blip r:embed="rId4">
-            <a:extLst>
-              <a:ext uri="{28A0092B-C50C-407E-A947-70E740481C1C}">
-                <a14:useLocalDpi xmlns:a14="http://schemas.microsoft.com/office/drawing/2010/main" val="0"/>
-              </a:ext>
-            </a:extLst>
-          </a:blip>
-          <a:stretch>
-            <a:fillRect/>
-          </a:stretch>
-        </p:blipFill>
-        <p:spPr>
-          <a:xfrm>
-            <a:off x="2984249" y="982030"/>
-            <a:ext cx="1968751" cy="5818219"/>
-          </a:xfrm>
-          <a:prstGeom prst="rect">
-            <a:avLst/>
-          </a:prstGeom>
-        </p:spPr>
-      </p:pic>
       <p:sp>
         <p:nvSpPr>
           <p:cNvPr id="13" name="TextBox 12">
@@ -4732,42 +4838,6 @@
           </a:p>
         </p:txBody>
       </p:sp>
-      <p:pic>
-        <p:nvPicPr>
-          <p:cNvPr id="20" name="Рисунок 19" descr="Изображение выглядит как текст, чек, диаграмма, черно-белый&#10;&#10;Контент, сгенерированный ИИ, может содержать ошибки.">
-            <a:extLst>
-              <a:ext uri="{FF2B5EF4-FFF2-40B4-BE49-F238E27FC236}">
-                <a16:creationId xmlns:a16="http://schemas.microsoft.com/office/drawing/2014/main" id="{57934F8D-94FC-C0B1-8562-7CCADE011CE2}"/>
-              </a:ext>
-            </a:extLst>
-          </p:cNvPr>
-          <p:cNvPicPr>
-            <a:picLocks noChangeAspect="1"/>
-          </p:cNvPicPr>
-          <p:nvPr/>
-        </p:nvPicPr>
-        <p:blipFill>
-          <a:blip r:embed="rId5">
-            <a:extLst>
-              <a:ext uri="{28A0092B-C50C-407E-A947-70E740481C1C}">
-                <a14:useLocalDpi xmlns:a14="http://schemas.microsoft.com/office/drawing/2010/main" val="0"/>
-              </a:ext>
-            </a:extLst>
-          </a:blip>
-          <a:stretch>
-            <a:fillRect/>
-          </a:stretch>
-        </p:blipFill>
-        <p:spPr>
-          <a:xfrm>
-            <a:off x="7795428" y="982028"/>
-            <a:ext cx="1887861" cy="5818220"/>
-          </a:xfrm>
-          <a:prstGeom prst="rect">
-            <a:avLst/>
-          </a:prstGeom>
-        </p:spPr>
-      </p:pic>
       <p:sp>
         <p:nvSpPr>
           <p:cNvPr id="21" name="TextBox 20">
@@ -4782,7 +4852,7 @@
         </p:nvSpPr>
         <p:spPr>
           <a:xfrm>
-            <a:off x="7387358" y="548640"/>
+            <a:off x="7244982" y="548640"/>
             <a:ext cx="2586903" cy="338554"/>
           </a:xfrm>
           <a:prstGeom prst="rect">
@@ -4824,7 +4894,7 @@
         </p:nvSpPr>
         <p:spPr>
           <a:xfrm>
-            <a:off x="7291938" y="6309360"/>
+            <a:off x="7566384" y="6429188"/>
             <a:ext cx="2228850" cy="365125"/>
           </a:xfrm>
         </p:spPr>
@@ -4840,6 +4910,129 @@
           </a:p>
         </p:txBody>
       </p:sp>
+      <p:pic>
+        <p:nvPicPr>
+          <p:cNvPr id="3" name="Рисунок 2">
+            <a:extLst>
+              <a:ext uri="{FF2B5EF4-FFF2-40B4-BE49-F238E27FC236}">
+                <a16:creationId xmlns:a16="http://schemas.microsoft.com/office/drawing/2014/main" id="{5061725E-9A38-9418-475A-B5844E294F0B}"/>
+              </a:ext>
+            </a:extLst>
+          </p:cNvPr>
+          <p:cNvPicPr>
+            <a:picLocks noChangeAspect="1"/>
+          </p:cNvPicPr>
+          <p:nvPr/>
+        </p:nvPicPr>
+        <p:blipFill>
+          <a:blip r:embed="rId4">
+            <a:extLst>
+              <a:ext uri="{28A0092B-C50C-407E-A947-70E740481C1C}">
+                <a14:useLocalDpi xmlns:a14="http://schemas.microsoft.com/office/drawing/2010/main" val="0"/>
+              </a:ext>
+            </a:extLst>
+          </a:blip>
+          <a:srcRect/>
+          <a:stretch>
+            <a:fillRect/>
+          </a:stretch>
+        </p:blipFill>
+        <p:spPr bwMode="auto">
+          <a:xfrm>
+            <a:off x="329165" y="913448"/>
+            <a:ext cx="1968751" cy="5886800"/>
+          </a:xfrm>
+          <a:prstGeom prst="rect">
+            <a:avLst/>
+          </a:prstGeom>
+          <a:noFill/>
+          <a:ln>
+            <a:noFill/>
+          </a:ln>
+        </p:spPr>
+      </p:pic>
+      <p:pic>
+        <p:nvPicPr>
+          <p:cNvPr id="4" name="Рисунок 3">
+            <a:extLst>
+              <a:ext uri="{FF2B5EF4-FFF2-40B4-BE49-F238E27FC236}">
+                <a16:creationId xmlns:a16="http://schemas.microsoft.com/office/drawing/2014/main" id="{6FC17CE7-8194-1550-F7C0-D0D4CD247387}"/>
+              </a:ext>
+            </a:extLst>
+          </p:cNvPr>
+          <p:cNvPicPr>
+            <a:picLocks noChangeAspect="1"/>
+          </p:cNvPicPr>
+          <p:nvPr/>
+        </p:nvPicPr>
+        <p:blipFill>
+          <a:blip r:embed="rId5">
+            <a:extLst>
+              <a:ext uri="{28A0092B-C50C-407E-A947-70E740481C1C}">
+                <a14:useLocalDpi xmlns:a14="http://schemas.microsoft.com/office/drawing/2010/main" val="0"/>
+              </a:ext>
+            </a:extLst>
+          </a:blip>
+          <a:srcRect/>
+          <a:stretch>
+            <a:fillRect/>
+          </a:stretch>
+        </p:blipFill>
+        <p:spPr bwMode="auto">
+          <a:xfrm>
+            <a:off x="3103603" y="939952"/>
+            <a:ext cx="1768570" cy="5818218"/>
+          </a:xfrm>
+          <a:prstGeom prst="rect">
+            <a:avLst/>
+          </a:prstGeom>
+          <a:noFill/>
+          <a:ln>
+            <a:noFill/>
+          </a:ln>
+        </p:spPr>
+      </p:pic>
+      <p:pic>
+        <p:nvPicPr>
+          <p:cNvPr id="6" name="Рисунок 5">
+            <a:extLst>
+              <a:ext uri="{FF2B5EF4-FFF2-40B4-BE49-F238E27FC236}">
+                <a16:creationId xmlns:a16="http://schemas.microsoft.com/office/drawing/2014/main" id="{04FC944A-1199-CDCA-DCC1-BB86770FEBF8}"/>
+              </a:ext>
+            </a:extLst>
+          </p:cNvPr>
+          <p:cNvPicPr>
+            <a:picLocks noChangeAspect="1"/>
+          </p:cNvPicPr>
+          <p:nvPr/>
+        </p:nvPicPr>
+        <p:blipFill>
+          <a:blip r:embed="rId6">
+            <a:extLst>
+              <a:ext uri="{28A0092B-C50C-407E-A947-70E740481C1C}">
+                <a14:useLocalDpi xmlns:a14="http://schemas.microsoft.com/office/drawing/2010/main" val="0"/>
+              </a:ext>
+            </a:extLst>
+          </a:blip>
+          <a:srcRect/>
+          <a:stretch>
+            <a:fillRect/>
+          </a:stretch>
+        </p:blipFill>
+        <p:spPr bwMode="auto">
+          <a:xfrm>
+            <a:off x="5249980" y="887194"/>
+            <a:ext cx="1497579" cy="5886800"/>
+          </a:xfrm>
+          <a:prstGeom prst="rect">
+            <a:avLst/>
+          </a:prstGeom>
+          <a:noFill/>
+          <a:ln>
+            <a:noFill/>
+          </a:ln>
+        </p:spPr>
+      </p:pic>
     </p:spTree>
     <p:extLst>
       <p:ext uri="{BB962C8B-B14F-4D97-AF65-F5344CB8AC3E}">
@@ -4870,42 +5063,6 @@
           <a:chExt cx="0" cy="0"/>
         </a:xfrm>
       </p:grpSpPr>
-      <p:pic>
-        <p:nvPicPr>
-          <p:cNvPr id="8" name="Рисунок 7" descr="Изображение выглядит как текст, диаграмма, План, Шрифт&#10;&#10;Контент, сгенерированный ИИ, может содержать ошибки.">
-            <a:extLst>
-              <a:ext uri="{FF2B5EF4-FFF2-40B4-BE49-F238E27FC236}">
-                <a16:creationId xmlns:a16="http://schemas.microsoft.com/office/drawing/2014/main" id="{950159F8-6ED1-96DF-148E-66BD5F220173}"/>
-              </a:ext>
-            </a:extLst>
-          </p:cNvPr>
-          <p:cNvPicPr>
-            <a:picLocks noChangeAspect="1"/>
-          </p:cNvPicPr>
-          <p:nvPr/>
-        </p:nvPicPr>
-        <p:blipFill>
-          <a:blip r:embed="rId2">
-            <a:extLst>
-              <a:ext uri="{28A0092B-C50C-407E-A947-70E740481C1C}">
-                <a14:useLocalDpi xmlns:a14="http://schemas.microsoft.com/office/drawing/2010/main" val="0"/>
-              </a:ext>
-            </a:extLst>
-          </a:blip>
-          <a:stretch>
-            <a:fillRect/>
-          </a:stretch>
-        </p:blipFill>
-        <p:spPr>
-          <a:xfrm>
-            <a:off x="1150732" y="548640"/>
-            <a:ext cx="7766861" cy="6309360"/>
-          </a:xfrm>
-          <a:prstGeom prst="rect">
-            <a:avLst/>
-          </a:prstGeom>
-        </p:spPr>
-      </p:pic>
       <p:sp>
         <p:nvSpPr>
           <p:cNvPr id="7" name="Номер слайда 6">
@@ -4974,6 +5131,47 @@
           </a:p>
         </p:txBody>
       </p:sp>
+      <p:pic>
+        <p:nvPicPr>
+          <p:cNvPr id="2" name="Рисунок 1">
+            <a:extLst>
+              <a:ext uri="{FF2B5EF4-FFF2-40B4-BE49-F238E27FC236}">
+                <a16:creationId xmlns:a16="http://schemas.microsoft.com/office/drawing/2014/main" id="{B3488EEE-0097-07D9-0078-88F2EA582F5D}"/>
+              </a:ext>
+            </a:extLst>
+          </p:cNvPr>
+          <p:cNvPicPr>
+            <a:picLocks noChangeAspect="1"/>
+          </p:cNvPicPr>
+          <p:nvPr/>
+        </p:nvPicPr>
+        <p:blipFill>
+          <a:blip r:embed="rId2">
+            <a:extLst>
+              <a:ext uri="{28A0092B-C50C-407E-A947-70E740481C1C}">
+                <a14:useLocalDpi xmlns:a14="http://schemas.microsoft.com/office/drawing/2010/main" val="0"/>
+              </a:ext>
+            </a:extLst>
+          </a:blip>
+          <a:srcRect/>
+          <a:stretch>
+            <a:fillRect/>
+          </a:stretch>
+        </p:blipFill>
+        <p:spPr bwMode="auto">
+          <a:xfrm>
+            <a:off x="1749289" y="548640"/>
+            <a:ext cx="7182678" cy="6240101"/>
+          </a:xfrm>
+          <a:prstGeom prst="rect">
+            <a:avLst/>
+          </a:prstGeom>
+          <a:noFill/>
+          <a:ln>
+            <a:noFill/>
+          </a:ln>
+        </p:spPr>
+      </p:pic>
     </p:spTree>
     <p:extLst>
       <p:ext uri="{BB962C8B-B14F-4D97-AF65-F5344CB8AC3E}">
@@ -5093,10 +5291,10 @@
       </p:sp>
       <p:pic>
         <p:nvPicPr>
-          <p:cNvPr id="8" name="Рисунок 7" descr="Изображение выглядит как текст, диаграмма, снимок экрана, линия&#10;&#10;Контент, сгенерированный ИИ, может содержать ошибки.">
+          <p:cNvPr id="2" name="Рисунок 1">
             <a:extLst>
               <a:ext uri="{FF2B5EF4-FFF2-40B4-BE49-F238E27FC236}">
-                <a16:creationId xmlns:a16="http://schemas.microsoft.com/office/drawing/2014/main" id="{1672FC3E-A295-F45D-31F7-4BF5E9EF908B}"/>
+                <a16:creationId xmlns:a16="http://schemas.microsoft.com/office/drawing/2014/main" id="{4022F5F6-0698-5431-FCCC-269D048C9F66}"/>
               </a:ext>
             </a:extLst>
           </p:cNvPr>
@@ -5106,25 +5304,30 @@
           <p:nvPr/>
         </p:nvPicPr>
         <p:blipFill>
-          <a:blip r:embed="rId2">
+          <a:blip r:embed="rId3">
             <a:extLst>
               <a:ext uri="{28A0092B-C50C-407E-A947-70E740481C1C}">
                 <a14:useLocalDpi xmlns:a14="http://schemas.microsoft.com/office/drawing/2010/main" val="0"/>
               </a:ext>
             </a:extLst>
           </a:blip>
+          <a:srcRect/>
           <a:stretch>
             <a:fillRect/>
           </a:stretch>
         </p:blipFill>
-        <p:spPr>
+        <p:spPr bwMode="auto">
           <a:xfrm>
-            <a:off x="2020099" y="1082254"/>
-            <a:ext cx="5865802" cy="5138738"/>
+            <a:off x="2024599" y="1082254"/>
+            <a:ext cx="5926703" cy="5615851"/>
           </a:xfrm>
           <a:prstGeom prst="rect">
             <a:avLst/>
           </a:prstGeom>
+          <a:noFill/>
+          <a:ln>
+            <a:noFill/>
+          </a:ln>
         </p:spPr>
       </p:pic>
     </p:spTree>
@@ -7886,7 +8089,7 @@
                 <a:latin typeface="Times New Roman" panose="02020603050405020304" pitchFamily="18" charset="0"/>
                 <a:cs typeface="Times New Roman" panose="02020603050405020304" pitchFamily="18" charset="0"/>
               </a:rPr>
-              <a:t>Цели и задачи</a:t>
+              <a:t>Цель и задачи</a:t>
             </a:r>
           </a:p>
         </p:txBody>
@@ -10104,7 +10307,7 @@
                 <a:latin typeface="Times New Roman" panose="02020603050405020304" pitchFamily="18" charset="0"/>
                 <a:cs typeface="Times New Roman" panose="02020603050405020304" pitchFamily="18" charset="0"/>
               </a:rPr>
-              <a:t>оценка)</a:t>
+              <a:t>Оценка)</a:t>
             </a:r>
             <a:r>
               <a:rPr lang="en-US" dirty="0">

--- a/ИУ7-85Б_Зуев_През_ВКР_4версия.pptx
+++ b/ИУ7-85Б_Зуев_През_ВКР_4версия.pptx
@@ -214,7 +214,7 @@
           <a:p>
             <a:fld id="{8361932B-7682-40F8-B7CC-B5DCDEF0DC88}" type="datetimeFigureOut">
               <a:rPr lang="ru-RU" smtClean="0"/>
-              <a:t>23.06.2025</a:t>
+              <a:t>24.06.2025</a:t>
             </a:fld>
             <a:endParaRPr lang="ru-RU"/>
           </a:p>
@@ -864,7 +864,7 @@
           <a:p>
             <a:fld id="{47C327EC-E918-46DA-965A-D89F60CE73F2}" type="datetime1">
               <a:rPr lang="ru-RU" smtClean="0"/>
-              <a:t>23.06.2025</a:t>
+              <a:t>24.06.2025</a:t>
             </a:fld>
             <a:endParaRPr lang="ru-RU"/>
           </a:p>
@@ -1034,7 +1034,7 @@
           <a:p>
             <a:fld id="{9FB30949-1A9C-4893-9C09-B131864ABCA3}" type="datetime1">
               <a:rPr lang="ru-RU" smtClean="0"/>
-              <a:t>23.06.2025</a:t>
+              <a:t>24.06.2025</a:t>
             </a:fld>
             <a:endParaRPr lang="ru-RU"/>
           </a:p>
@@ -1214,7 +1214,7 @@
           <a:p>
             <a:fld id="{FC553BE8-660E-437B-BBE9-1D704701F54F}" type="datetime1">
               <a:rPr lang="ru-RU" smtClean="0"/>
-              <a:t>23.06.2025</a:t>
+              <a:t>24.06.2025</a:t>
             </a:fld>
             <a:endParaRPr lang="ru-RU"/>
           </a:p>
@@ -1384,7 +1384,7 @@
           <a:p>
             <a:fld id="{F60B5145-3885-4A9A-A22F-280984127DDD}" type="datetime1">
               <a:rPr lang="ru-RU" smtClean="0"/>
-              <a:t>23.06.2025</a:t>
+              <a:t>24.06.2025</a:t>
             </a:fld>
             <a:endParaRPr lang="ru-RU"/>
           </a:p>
@@ -1628,7 +1628,7 @@
           <a:p>
             <a:fld id="{DFB1535F-AFA2-4FA1-ACF1-11B23421BF73}" type="datetime1">
               <a:rPr lang="ru-RU" smtClean="0"/>
-              <a:t>23.06.2025</a:t>
+              <a:t>24.06.2025</a:t>
             </a:fld>
             <a:endParaRPr lang="ru-RU"/>
           </a:p>
@@ -1860,7 +1860,7 @@
           <a:p>
             <a:fld id="{69FE8D11-6AF3-46D5-8134-DBAFFEC4197E}" type="datetime1">
               <a:rPr lang="ru-RU" smtClean="0"/>
-              <a:t>23.06.2025</a:t>
+              <a:t>24.06.2025</a:t>
             </a:fld>
             <a:endParaRPr lang="ru-RU"/>
           </a:p>
@@ -2227,7 +2227,7 @@
           <a:p>
             <a:fld id="{DD7EE7BD-992D-4A1A-B33E-CA0F036EB7A1}" type="datetime1">
               <a:rPr lang="ru-RU" smtClean="0"/>
-              <a:t>23.06.2025</a:t>
+              <a:t>24.06.2025</a:t>
             </a:fld>
             <a:endParaRPr lang="ru-RU"/>
           </a:p>
@@ -2345,7 +2345,7 @@
           <a:p>
             <a:fld id="{5F39BB8A-F253-41C5-BE3D-51D199F10B4A}" type="datetime1">
               <a:rPr lang="ru-RU" smtClean="0"/>
-              <a:t>23.06.2025</a:t>
+              <a:t>24.06.2025</a:t>
             </a:fld>
             <a:endParaRPr lang="ru-RU"/>
           </a:p>
@@ -2440,7 +2440,7 @@
           <a:p>
             <a:fld id="{D0D57DE5-A8CD-4548-BD47-6B1F22D177A3}" type="datetime1">
               <a:rPr lang="ru-RU" smtClean="0"/>
-              <a:t>23.06.2025</a:t>
+              <a:t>24.06.2025</a:t>
             </a:fld>
             <a:endParaRPr lang="ru-RU"/>
           </a:p>
@@ -2717,7 +2717,7 @@
           <a:p>
             <a:fld id="{6ED3CB4D-880D-431A-AC19-5175B8AE3CAF}" type="datetime1">
               <a:rPr lang="ru-RU" smtClean="0"/>
-              <a:t>23.06.2025</a:t>
+              <a:t>24.06.2025</a:t>
             </a:fld>
             <a:endParaRPr lang="ru-RU"/>
           </a:p>
@@ -2974,7 +2974,7 @@
           <a:p>
             <a:fld id="{176FB70E-976A-4BE1-AC6A-77A269007F64}" type="datetime1">
               <a:rPr lang="ru-RU" smtClean="0"/>
-              <a:t>23.06.2025</a:t>
+              <a:t>24.06.2025</a:t>
             </a:fld>
             <a:endParaRPr lang="ru-RU"/>
           </a:p>
@@ -3187,7 +3187,7 @@
           <a:p>
             <a:fld id="{5B845AB5-3C3D-409C-A34B-211DA3C6C40A}" type="datetime1">
               <a:rPr lang="ru-RU" smtClean="0"/>
-              <a:t>23.06.2025</a:t>
+              <a:t>24.06.2025</a:t>
             </a:fld>
             <a:endParaRPr lang="ru-RU"/>
           </a:p>
@@ -5624,7 +5624,7 @@
       </p:sp>
       <p:pic>
         <p:nvPicPr>
-          <p:cNvPr id="8" name="Рисунок 7"/>
+          <p:cNvPr id="14" name="Рисунок 13"/>
           <p:cNvPicPr>
             <a:picLocks noChangeAspect="1"/>
           </p:cNvPicPr>
@@ -5632,30 +5632,6 @@
         </p:nvPicPr>
         <p:blipFill>
           <a:blip r:embed="rId2"/>
-          <a:stretch>
-            <a:fillRect/>
-          </a:stretch>
-        </p:blipFill>
-        <p:spPr>
-          <a:xfrm>
-            <a:off x="521970" y="1337310"/>
-            <a:ext cx="4406265" cy="4347210"/>
-          </a:xfrm>
-          <a:prstGeom prst="rect">
-            <a:avLst/>
-          </a:prstGeom>
-        </p:spPr>
-      </p:pic>
-      <p:pic>
-        <p:nvPicPr>
-          <p:cNvPr id="14" name="Рисунок 13"/>
-          <p:cNvPicPr>
-            <a:picLocks noChangeAspect="1"/>
-          </p:cNvPicPr>
-          <p:nvPr/>
-        </p:nvPicPr>
-        <p:blipFill>
-          <a:blip r:embed="rId3"/>
           <a:stretch>
             <a:fillRect/>
           </a:stretch>
@@ -5703,6 +5679,36 @@
           </a:p>
         </p:txBody>
       </p:sp>
+      <p:pic>
+        <p:nvPicPr>
+          <p:cNvPr id="3" name="Рисунок 2">
+            <a:extLst>
+              <a:ext uri="{FF2B5EF4-FFF2-40B4-BE49-F238E27FC236}">
+                <a16:creationId xmlns:a16="http://schemas.microsoft.com/office/drawing/2014/main" id="{AB439615-B458-0B3A-6E7F-3EE91EB3F322}"/>
+              </a:ext>
+            </a:extLst>
+          </p:cNvPr>
+          <p:cNvPicPr>
+            <a:picLocks noChangeAspect="1"/>
+          </p:cNvPicPr>
+          <p:nvPr/>
+        </p:nvPicPr>
+        <p:blipFill>
+          <a:blip r:embed="rId3"/>
+          <a:stretch>
+            <a:fillRect/>
+          </a:stretch>
+        </p:blipFill>
+        <p:spPr>
+          <a:xfrm>
+            <a:off x="0" y="1442085"/>
+            <a:ext cx="4830446" cy="4253865"/>
+          </a:xfrm>
+          <a:prstGeom prst="rect">
+            <a:avLst/>
+          </a:prstGeom>
+        </p:spPr>
+      </p:pic>
     </p:spTree>
   </p:cSld>
   <p:clrMapOvr>
